--- a/포트폴리오/GitHub_Hosting/다운로드 압축 파일/헬스장 관리 프로그램/헬스장 관리 프로그램 - 양화영.pptx
+++ b/포트폴리오/GitHub_Hosting/다운로드 압축 파일/헬스장 관리 프로그램/헬스장 관리 프로그램 - 양화영.pptx
@@ -279,7 +279,7 @@
                 </a:solidFill>
               </a:rPr>
               <a:pPr/>
-              <a:t>2021-05-10</a:t>
+              <a:t>2021-05-12</a:t>
             </a:fld>
             <a:endParaRPr lang="ko-KR" altLang="en-US">
               <a:solidFill>
@@ -509,7 +509,7 @@
                 </a:solidFill>
               </a:rPr>
               <a:pPr/>
-              <a:t>2021-05-10</a:t>
+              <a:t>2021-05-12</a:t>
             </a:fld>
             <a:endParaRPr lang="ko-KR" altLang="en-US">
               <a:solidFill>
@@ -749,7 +749,7 @@
                 </a:solidFill>
               </a:rPr>
               <a:pPr/>
-              <a:t>2021-05-10</a:t>
+              <a:t>2021-05-12</a:t>
             </a:fld>
             <a:endParaRPr lang="ko-KR" altLang="en-US">
               <a:solidFill>
@@ -979,7 +979,7 @@
                 </a:solidFill>
               </a:rPr>
               <a:pPr/>
-              <a:t>2021-05-10</a:t>
+              <a:t>2021-05-12</a:t>
             </a:fld>
             <a:endParaRPr lang="ko-KR" altLang="en-US">
               <a:solidFill>
@@ -1286,7 +1286,7 @@
                 </a:solidFill>
               </a:rPr>
               <a:pPr/>
-              <a:t>2021-05-10</a:t>
+              <a:t>2021-05-12</a:t>
             </a:fld>
             <a:endParaRPr lang="ko-KR" altLang="en-US">
               <a:solidFill>
@@ -1583,7 +1583,7 @@
                 </a:solidFill>
               </a:rPr>
               <a:pPr/>
-              <a:t>2021-05-10</a:t>
+              <a:t>2021-05-12</a:t>
             </a:fld>
             <a:endParaRPr lang="ko-KR" altLang="en-US">
               <a:solidFill>
@@ -2027,7 +2027,7 @@
                 </a:solidFill>
               </a:rPr>
               <a:pPr/>
-              <a:t>2021-05-10</a:t>
+              <a:t>2021-05-12</a:t>
             </a:fld>
             <a:endParaRPr lang="ko-KR" altLang="en-US">
               <a:solidFill>
@@ -2200,7 +2200,7 @@
                 </a:solidFill>
               </a:rPr>
               <a:pPr/>
-              <a:t>2021-05-10</a:t>
+              <a:t>2021-05-12</a:t>
             </a:fld>
             <a:endParaRPr lang="ko-KR" altLang="en-US">
               <a:solidFill>
@@ -2345,7 +2345,7 @@
                 </a:solidFill>
               </a:rPr>
               <a:pPr/>
-              <a:t>2021-05-10</a:t>
+              <a:t>2021-05-12</a:t>
             </a:fld>
             <a:endParaRPr lang="ko-KR" altLang="en-US">
               <a:solidFill>
@@ -2688,7 +2688,7 @@
                 </a:solidFill>
               </a:rPr>
               <a:pPr/>
-              <a:t>2021-05-10</a:t>
+              <a:t>2021-05-12</a:t>
             </a:fld>
             <a:endParaRPr lang="ko-KR" altLang="en-US">
               <a:solidFill>
@@ -3008,7 +3008,7 @@
                 </a:solidFill>
               </a:rPr>
               <a:pPr/>
-              <a:t>2021-05-10</a:t>
+              <a:t>2021-05-12</a:t>
             </a:fld>
             <a:endParaRPr lang="ko-KR" altLang="en-US">
               <a:solidFill>
@@ -3281,7 +3281,7 @@
                 </a:solidFill>
               </a:rPr>
               <a:pPr/>
-              <a:t>2021-05-10</a:t>
+              <a:t>2021-05-12</a:t>
             </a:fld>
             <a:endParaRPr lang="ko-KR" altLang="en-US">
               <a:solidFill>
@@ -16726,7 +16726,7 @@
                   </a:prstClr>
                 </a:solidFill>
               </a:rPr>
-              <a:t>Data Base</a:t>
+              <a:t>DBMS</a:t>
             </a:r>
             <a:endParaRPr lang="en-US" altLang="ko-KR" sz="1400" b="1" dirty="0">
               <a:solidFill>
@@ -21152,18 +21152,7 @@
                   </a:prstClr>
                 </a:solidFill>
               </a:rPr>
-              <a:t> </a:t>
-            </a:r>
-            <a:r>
-              <a:rPr lang="ko-KR" altLang="en-US" sz="1400" b="1" dirty="0" smtClean="0">
-                <a:solidFill>
-                  <a:prstClr val="black">
-                    <a:lumMod val="85000"/>
-                    <a:lumOff val="15000"/>
-                  </a:prstClr>
-                </a:solidFill>
-              </a:rPr>
-              <a:t>조회 후 비어있지 않다면 반납</a:t>
+              <a:t> 조회 후 비어있지 않다면 반납</a:t>
             </a:r>
             <a:endParaRPr lang="ko-KR" altLang="en-US" sz="900" dirty="0">
               <a:solidFill>
